--- a/React-app demo.pptx
+++ b/React-app demo.pptx
@@ -14903,7 +14903,7 @@
             <a:r>
               <a:rPr lang="en-US" sz="4500" b="0" i="0" u="none" strike="noStrike" cap="none" dirty="0" smtClean="0">
                 <a:solidFill>
-                  <a:schemeClr val="bg1"/>
+                  <a:schemeClr val="tx1"/>
                 </a:solidFill>
                 <a:latin typeface="Calibri"/>
                 <a:ea typeface="Calibri"/>
@@ -14982,7 +14982,7 @@
             <a:r>
               <a:rPr lang="en-US" sz="1800" b="0" i="0" u="none" strike="noStrike" cap="none" dirty="0" smtClean="0">
                 <a:solidFill>
-                  <a:schemeClr val="bg1"/>
+                  <a:schemeClr val="tx1"/>
                 </a:solidFill>
                 <a:latin typeface="Calibri"/>
                 <a:ea typeface="Calibri"/>
@@ -14993,7 +14993,7 @@
             </a:r>
             <a:endParaRPr sz="1800" b="0" i="0" u="none" strike="noStrike" cap="none" dirty="0">
               <a:solidFill>
-                <a:schemeClr val="bg1"/>
+                <a:schemeClr val="tx1"/>
               </a:solidFill>
               <a:latin typeface="Calibri"/>
               <a:ea typeface="Calibri"/>
@@ -15462,7 +15462,11 @@
             </a:pPr>
             <a:r>
               <a:rPr lang="en-US" dirty="0" smtClean="0"/>
-              <a:t>A one-page web application supports:</a:t>
+              <a:t>An </a:t>
+            </a:r>
+            <a:r>
+              <a:rPr lang="en-US" dirty="0" smtClean="0"/>
+              <a:t>one-page web application supports:</a:t>
             </a:r>
           </a:p>
           <a:p>
@@ -16632,15 +16636,7 @@
                   <a:srgbClr val="00B050"/>
                 </a:solidFill>
               </a:rPr>
-              <a:t>Message </a:t>
-            </a:r>
-            <a:r>
-              <a:rPr lang="en-US" dirty="0" smtClean="0">
-                <a:solidFill>
-                  <a:srgbClr val="00B050"/>
-                </a:solidFill>
-              </a:rPr>
-              <a:t>History Component </a:t>
+              <a:t>Message History Component </a:t>
             </a:r>
           </a:p>
           <a:p>
@@ -16665,11 +16661,6 @@
               </a:rPr>
               <a:t>Message Component</a:t>
             </a:r>
-            <a:endParaRPr lang="en-US" dirty="0" smtClean="0">
-              <a:solidFill>
-                <a:srgbClr val="2673F3"/>
-              </a:solidFill>
-            </a:endParaRPr>
           </a:p>
           <a:p>
             <a:pPr>

--- a/React-app demo.pptx
+++ b/React-app demo.pptx
@@ -14,7 +14,7 @@
     <p:sldId id="261" r:id="rId5"/>
     <p:sldId id="260" r:id="rId6"/>
     <p:sldId id="263" r:id="rId7"/>
-    <p:sldId id="262" r:id="rId8"/>
+    <p:sldId id="270" r:id="rId8"/>
     <p:sldId id="269" r:id="rId9"/>
     <p:sldId id="267" r:id="rId10"/>
     <p:sldId id="268" r:id="rId11"/>
@@ -14903,7 +14903,7 @@
             <a:r>
               <a:rPr lang="en-US" sz="4500" b="0" i="0" u="none" strike="noStrike" cap="none" dirty="0" smtClean="0">
                 <a:solidFill>
-                  <a:schemeClr val="tx1"/>
+                  <a:schemeClr val="bg1"/>
                 </a:solidFill>
                 <a:latin typeface="Calibri"/>
                 <a:ea typeface="Calibri"/>
@@ -14982,7 +14982,7 @@
             <a:r>
               <a:rPr lang="en-US" sz="1800" b="0" i="0" u="none" strike="noStrike" cap="none" dirty="0" smtClean="0">
                 <a:solidFill>
-                  <a:schemeClr val="tx1"/>
+                  <a:schemeClr val="bg1"/>
                 </a:solidFill>
                 <a:latin typeface="Calibri"/>
                 <a:ea typeface="Calibri"/>
@@ -14993,7 +14993,7 @@
             </a:r>
             <a:endParaRPr sz="1800" b="0" i="0" u="none" strike="noStrike" cap="none" dirty="0">
               <a:solidFill>
-                <a:schemeClr val="tx1"/>
+                <a:schemeClr val="bg1"/>
               </a:solidFill>
               <a:latin typeface="Calibri"/>
               <a:ea typeface="Calibri"/>
@@ -15105,11 +15105,11 @@
           <a:p>
             <a:r>
               <a:rPr lang="en-US" dirty="0" smtClean="0"/>
-              <a:t> Load balancing using </a:t>
+              <a:t> </a:t>
             </a:r>
             <a:r>
-              <a:rPr lang="en-US" dirty="0" err="1" smtClean="0"/>
-              <a:t>Nginx</a:t>
+              <a:rPr lang="en-US" dirty="0" smtClean="0"/>
+              <a:t>Improve web access page</a:t>
             </a:r>
             <a:endParaRPr lang="en-US" dirty="0"/>
           </a:p>
@@ -15462,11 +15462,7 @@
             </a:pPr>
             <a:r>
               <a:rPr lang="en-US" dirty="0" smtClean="0"/>
-              <a:t>An </a:t>
-            </a:r>
-            <a:r>
-              <a:rPr lang="en-US" dirty="0" smtClean="0"/>
-              <a:t>one-page web application supports:</a:t>
+              <a:t>An one-page web application supports:</a:t>
             </a:r>
           </a:p>
           <a:p>
@@ -15575,7 +15571,19 @@
             </a:pPr>
             <a:r>
               <a:rPr lang="en-US" dirty="0"/>
-              <a:t> Hot website quick </a:t>
+              <a:t> </a:t>
+            </a:r>
+            <a:r>
+              <a:rPr lang="en-US" dirty="0"/>
+              <a:t>W</a:t>
+            </a:r>
+            <a:r>
+              <a:rPr lang="en-US" dirty="0" smtClean="0"/>
+              <a:t>ebsite </a:t>
+            </a:r>
+            <a:r>
+              <a:rPr lang="en-US" dirty="0"/>
+              <a:t>quick </a:t>
             </a:r>
             <a:r>
               <a:rPr lang="en-US" dirty="0" smtClean="0"/>
@@ -16511,8 +16519,8 @@
         </p:nvSpPr>
         <p:spPr>
           <a:xfrm>
-            <a:off x="1078676" y="2057502"/>
-            <a:ext cx="2599021" cy="618746"/>
+            <a:off x="1123499" y="2351655"/>
+            <a:ext cx="2569959" cy="151047"/>
           </a:xfrm>
           <a:prstGeom prst="rect">
             <a:avLst/>
@@ -16803,22 +16811,14 @@
           <a:p>
             <a:r>
               <a:rPr lang="en-US" dirty="0"/>
-              <a:t>What does </a:t>
-            </a:r>
-            <a:r>
-              <a:rPr lang="en-US" dirty="0" smtClean="0"/>
-              <a:t>letter page look </a:t>
-            </a:r>
-            <a:r>
-              <a:rPr lang="en-US" dirty="0"/>
-              <a:t>like?</a:t>
+              <a:t>What does letter page look like?</a:t>
             </a:r>
           </a:p>
         </p:txBody>
       </p:sp>
       <p:pic>
         <p:nvPicPr>
-          <p:cNvPr id="4" name="Picture 3"/>
+          <p:cNvPr id="5" name="Picture 4"/>
           <p:cNvPicPr>
             <a:picLocks noChangeAspect="1"/>
           </p:cNvPicPr>
@@ -16832,8 +16832,8 @@
         </p:blipFill>
         <p:spPr>
           <a:xfrm>
-            <a:off x="1038331" y="991875"/>
-            <a:ext cx="3614056" cy="3830035"/>
+            <a:off x="0" y="1268043"/>
+            <a:ext cx="6578974" cy="3377720"/>
           </a:xfrm>
           <a:prstGeom prst="rect">
             <a:avLst/>
@@ -16842,14 +16842,148 @@
       </p:pic>
       <p:sp>
         <p:nvSpPr>
-          <p:cNvPr id="5" name="TextBox 4"/>
+          <p:cNvPr id="6" name="TextBox 5"/>
           <p:cNvSpPr txBox="1"/>
           <p:nvPr/>
         </p:nvSpPr>
         <p:spPr>
           <a:xfrm>
-            <a:off x="904352" y="963382"/>
-            <a:ext cx="3828422" cy="3990455"/>
+            <a:off x="6578974" y="2015063"/>
+            <a:ext cx="3245618" cy="1354217"/>
+          </a:xfrm>
+          <a:prstGeom prst="rect">
+            <a:avLst/>
+          </a:prstGeom>
+          <a:noFill/>
+        </p:spPr>
+        <p:txBody>
+          <a:bodyPr wrap="square" rtlCol="0">
+            <a:spAutoFit/>
+          </a:bodyPr>
+          <a:lstStyle/>
+          <a:p>
+            <a:pPr>
+              <a:spcAft>
+                <a:spcPts val="2400"/>
+              </a:spcAft>
+            </a:pPr>
+            <a:r>
+              <a:rPr lang="en-US" dirty="0" smtClean="0">
+                <a:solidFill>
+                  <a:srgbClr val="FF0000"/>
+                </a:solidFill>
+              </a:rPr>
+              <a:t>Letter Component</a:t>
+            </a:r>
+          </a:p>
+          <a:p>
+            <a:pPr>
+              <a:spcAft>
+                <a:spcPts val="2400"/>
+              </a:spcAft>
+            </a:pPr>
+            <a:r>
+              <a:rPr lang="en-US" dirty="0">
+                <a:solidFill>
+                  <a:srgbClr val="FFC000"/>
+                </a:solidFill>
+              </a:rPr>
+              <a:t> </a:t>
+            </a:r>
+            <a:r>
+              <a:rPr lang="en-US" dirty="0" smtClean="0">
+                <a:solidFill>
+                  <a:srgbClr val="FFC000"/>
+                </a:solidFill>
+              </a:rPr>
+              <a:t>       </a:t>
+            </a:r>
+            <a:r>
+              <a:rPr lang="en-US" dirty="0" smtClean="0">
+                <a:solidFill>
+                  <a:srgbClr val="00B050"/>
+                </a:solidFill>
+              </a:rPr>
+              <a:t>Get </a:t>
+            </a:r>
+            <a:r>
+              <a:rPr lang="en-US" dirty="0" smtClean="0">
+                <a:solidFill>
+                  <a:srgbClr val="00B050"/>
+                </a:solidFill>
+              </a:rPr>
+              <a:t>Letter Component </a:t>
+            </a:r>
+            <a:endParaRPr lang="en-US" dirty="0" smtClean="0">
+              <a:solidFill>
+                <a:srgbClr val="00B050"/>
+              </a:solidFill>
+            </a:endParaRPr>
+          </a:p>
+          <a:p>
+            <a:pPr>
+              <a:spcAft>
+                <a:spcPts val="2400"/>
+              </a:spcAft>
+            </a:pPr>
+            <a:r>
+              <a:rPr lang="en-US" dirty="0" smtClean="0">
+                <a:solidFill>
+                  <a:srgbClr val="00B050"/>
+                </a:solidFill>
+              </a:rPr>
+              <a:t>        </a:t>
+            </a:r>
+            <a:r>
+              <a:rPr lang="en-US" dirty="0" smtClean="0">
+                <a:solidFill>
+                  <a:srgbClr val="FFC000"/>
+                </a:solidFill>
+              </a:rPr>
+              <a:t>Post </a:t>
+            </a:r>
+            <a:r>
+              <a:rPr lang="en-US" dirty="0">
+                <a:solidFill>
+                  <a:srgbClr val="FFC000"/>
+                </a:solidFill>
+              </a:rPr>
+              <a:t>Letter </a:t>
+            </a:r>
+            <a:r>
+              <a:rPr lang="en-US" dirty="0" smtClean="0">
+                <a:solidFill>
+                  <a:srgbClr val="FFC000"/>
+                </a:solidFill>
+              </a:rPr>
+              <a:t>Component</a:t>
+            </a:r>
+            <a:r>
+              <a:rPr lang="en-US" dirty="0" smtClean="0">
+                <a:solidFill>
+                  <a:srgbClr val="FFC000"/>
+                </a:solidFill>
+              </a:rPr>
+              <a:t>   </a:t>
+            </a:r>
+            <a:endParaRPr lang="en-US" dirty="0">
+              <a:solidFill>
+                <a:srgbClr val="FFC000"/>
+              </a:solidFill>
+            </a:endParaRPr>
+          </a:p>
+        </p:txBody>
+      </p:sp>
+      <p:sp>
+        <p:nvSpPr>
+          <p:cNvPr id="7" name="TextBox 6"/>
+          <p:cNvSpPr txBox="1"/>
+          <p:nvPr/>
+        </p:nvSpPr>
+        <p:spPr>
+          <a:xfrm>
+            <a:off x="155367" y="1084729"/>
+            <a:ext cx="6355977" cy="3797390"/>
           </a:xfrm>
           <a:prstGeom prst="rect">
             <a:avLst/>
@@ -16873,14 +17007,14 @@
       </p:sp>
       <p:sp>
         <p:nvSpPr>
-          <p:cNvPr id="6" name="TextBox 5"/>
+          <p:cNvPr id="8" name="TextBox 7"/>
           <p:cNvSpPr txBox="1"/>
           <p:nvPr/>
         </p:nvSpPr>
         <p:spPr>
           <a:xfrm>
-            <a:off x="1509007" y="1067736"/>
-            <a:ext cx="1336352" cy="400614"/>
+            <a:off x="218089" y="1268042"/>
+            <a:ext cx="2847840" cy="3223275"/>
           </a:xfrm>
           <a:prstGeom prst="rect">
             <a:avLst/>
@@ -16904,14 +17038,14 @@
       </p:sp>
       <p:sp>
         <p:nvSpPr>
-          <p:cNvPr id="7" name="TextBox 6"/>
+          <p:cNvPr id="9" name="TextBox 8"/>
           <p:cNvSpPr txBox="1"/>
           <p:nvPr/>
         </p:nvSpPr>
         <p:spPr>
           <a:xfrm>
-            <a:off x="2818563" y="994822"/>
-            <a:ext cx="1336352" cy="400614"/>
+            <a:off x="3333356" y="1268043"/>
+            <a:ext cx="3071958" cy="3377720"/>
           </a:xfrm>
           <a:prstGeom prst="rect">
             <a:avLst/>
@@ -16933,130 +17067,10 @@
           </a:p>
         </p:txBody>
       </p:sp>
-      <p:sp>
-        <p:nvSpPr>
-          <p:cNvPr id="8" name="TextBox 7"/>
-          <p:cNvSpPr txBox="1"/>
-          <p:nvPr/>
-        </p:nvSpPr>
-        <p:spPr>
-          <a:xfrm>
-            <a:off x="1038331" y="1395436"/>
-            <a:ext cx="3614056" cy="3426474"/>
-          </a:xfrm>
-          <a:prstGeom prst="rect">
-            <a:avLst/>
-          </a:prstGeom>
-          <a:noFill/>
-          <a:ln w="28575">
-            <a:solidFill>
-              <a:srgbClr val="F6A7E3"/>
-            </a:solidFill>
-          </a:ln>
-        </p:spPr>
-        <p:txBody>
-          <a:bodyPr wrap="square" rtlCol="0">
-            <a:spAutoFit/>
-          </a:bodyPr>
-          <a:lstStyle/>
-          <a:p>
-            <a:endParaRPr lang="en-US"/>
-          </a:p>
-        </p:txBody>
-      </p:sp>
-      <p:sp>
-        <p:nvSpPr>
-          <p:cNvPr id="9" name="TextBox 8"/>
-          <p:cNvSpPr txBox="1"/>
-          <p:nvPr/>
-        </p:nvSpPr>
-        <p:spPr>
-          <a:xfrm>
-            <a:off x="5269732" y="1830786"/>
-            <a:ext cx="3245618" cy="1354217"/>
-          </a:xfrm>
-          <a:prstGeom prst="rect">
-            <a:avLst/>
-          </a:prstGeom>
-          <a:noFill/>
-        </p:spPr>
-        <p:txBody>
-          <a:bodyPr wrap="square" rtlCol="0">
-            <a:spAutoFit/>
-          </a:bodyPr>
-          <a:lstStyle/>
-          <a:p>
-            <a:pPr>
-              <a:spcAft>
-                <a:spcPts val="2400"/>
-              </a:spcAft>
-            </a:pPr>
-            <a:r>
-              <a:rPr lang="en-US" dirty="0" smtClean="0">
-                <a:solidFill>
-                  <a:srgbClr val="FF0000"/>
-                </a:solidFill>
-              </a:rPr>
-              <a:t>Letter Component</a:t>
-            </a:r>
-          </a:p>
-          <a:p>
-            <a:pPr>
-              <a:spcAft>
-                <a:spcPts val="2400"/>
-              </a:spcAft>
-            </a:pPr>
-            <a:r>
-              <a:rPr lang="en-US" dirty="0"/>
-              <a:t> </a:t>
-            </a:r>
-            <a:r>
-              <a:rPr lang="en-US" dirty="0" smtClean="0"/>
-              <a:t>       </a:t>
-            </a:r>
-            <a:r>
-              <a:rPr lang="en-US" dirty="0" smtClean="0">
-                <a:solidFill>
-                  <a:srgbClr val="00B050"/>
-                </a:solidFill>
-              </a:rPr>
-              <a:t>Post Letter Component</a:t>
-            </a:r>
-          </a:p>
-          <a:p>
-            <a:pPr>
-              <a:spcAft>
-                <a:spcPts val="2400"/>
-              </a:spcAft>
-            </a:pPr>
-            <a:r>
-              <a:rPr lang="en-US" dirty="0"/>
-              <a:t> </a:t>
-            </a:r>
-            <a:r>
-              <a:rPr lang="en-US" dirty="0" smtClean="0"/>
-              <a:t>       </a:t>
-            </a:r>
-            <a:r>
-              <a:rPr lang="en-US" dirty="0" smtClean="0">
-                <a:solidFill>
-                  <a:srgbClr val="FFC000"/>
-                </a:solidFill>
-              </a:rPr>
-              <a:t>Get Letter Component    </a:t>
-            </a:r>
-            <a:endParaRPr lang="en-US" dirty="0">
-              <a:solidFill>
-                <a:srgbClr val="FFC000"/>
-              </a:solidFill>
-            </a:endParaRPr>
-          </a:p>
-        </p:txBody>
-      </p:sp>
     </p:spTree>
     <p:extLst>
       <p:ext uri="{BB962C8B-B14F-4D97-AF65-F5344CB8AC3E}">
-        <p14:creationId xmlns:p14="http://schemas.microsoft.com/office/powerpoint/2010/main" val="43451771"/>
+        <p14:creationId xmlns:p14="http://schemas.microsoft.com/office/powerpoint/2010/main" val="165681003"/>
       </p:ext>
     </p:extLst>
   </p:cSld>
